--- a/Training/บทที่ 22 การเชื่อมต่อกับ AWS แสดงผลค่าเซ็นเซอร์บน Grafana.pptx
+++ b/Training/บทที่ 22 การเชื่อมต่อกับ AWS แสดงผลค่าเซ็นเซอร์บน Grafana.pptx
@@ -218,7 +218,7 @@
           <a:p>
             <a:fld id="{06C17036-57F0-4033-878B-2A84741E291F}" type="datetimeFigureOut">
               <a:rPr lang="en-US" smtClean="0"/>
-              <a:t>4/3/2024</a:t>
+              <a:t>4/7/2024</a:t>
             </a:fld>
             <a:endParaRPr lang="en-US"/>
           </a:p>
@@ -395,7 +395,7 @@
           <a:p>
             <a:fld id="{B7250401-2409-4A51-A751-C814B6470FB6}" type="datetimeFigureOut">
               <a:rPr lang="en-US" smtClean="0"/>
-              <a:t>4/3/2024</a:t>
+              <a:t>4/7/2024</a:t>
             </a:fld>
             <a:endParaRPr lang="en-US"/>
           </a:p>
@@ -817,7 +817,7 @@
           <a:p>
             <a:fld id="{3F6AD41E-8961-455E-BE3D-52DCFD182BCA}" type="datetime1">
               <a:rPr lang="en-US" smtClean="0"/>
-              <a:t>4/3/2024</a:t>
+              <a:t>4/7/2024</a:t>
             </a:fld>
             <a:endParaRPr lang="en-US"/>
           </a:p>
@@ -1015,7 +1015,7 @@
           <a:p>
             <a:fld id="{837AD7CF-C4A7-47BC-8CA0-A2423BD6B414}" type="datetime1">
               <a:rPr lang="en-US" smtClean="0"/>
-              <a:t>4/3/2024</a:t>
+              <a:t>4/7/2024</a:t>
             </a:fld>
             <a:endParaRPr lang="en-US"/>
           </a:p>
@@ -1223,7 +1223,7 @@
           <a:p>
             <a:fld id="{66FCB7ED-9AA1-4792-8B84-4E6B933EF180}" type="datetime1">
               <a:rPr lang="en-US" smtClean="0"/>
-              <a:t>4/3/2024</a:t>
+              <a:t>4/7/2024</a:t>
             </a:fld>
             <a:endParaRPr lang="en-US"/>
           </a:p>
@@ -1421,7 +1421,7 @@
           <a:p>
             <a:fld id="{437F2F41-2D04-40FF-B725-8597E0E2AF28}" type="datetime1">
               <a:rPr lang="en-US" smtClean="0"/>
-              <a:t>4/3/2024</a:t>
+              <a:t>4/7/2024</a:t>
             </a:fld>
             <a:endParaRPr lang="en-US"/>
           </a:p>
@@ -1696,7 +1696,7 @@
           <a:p>
             <a:fld id="{CE09906A-C844-4743-B9CD-73C2EEC07552}" type="datetime1">
               <a:rPr lang="en-US" smtClean="0"/>
-              <a:t>4/3/2024</a:t>
+              <a:t>4/7/2024</a:t>
             </a:fld>
             <a:endParaRPr lang="en-US"/>
           </a:p>
@@ -1961,7 +1961,7 @@
           <a:p>
             <a:fld id="{00CE04E3-7771-46FC-A485-5D5B60EDE7C4}" type="datetime1">
               <a:rPr lang="en-US" smtClean="0"/>
-              <a:t>4/3/2024</a:t>
+              <a:t>4/7/2024</a:t>
             </a:fld>
             <a:endParaRPr lang="en-US"/>
           </a:p>
@@ -2373,7 +2373,7 @@
           <a:p>
             <a:fld id="{AAD7B7EB-A95B-4C9B-B5CA-832534FE81AF}" type="datetime1">
               <a:rPr lang="en-US" smtClean="0"/>
-              <a:t>4/3/2024</a:t>
+              <a:t>4/7/2024</a:t>
             </a:fld>
             <a:endParaRPr lang="en-US"/>
           </a:p>
@@ -2576,7 +2576,7 @@
           <a:p>
             <a:fld id="{D2E7307F-0EB1-4E56-82DB-1BD3F33DAE22}" type="datetime1">
               <a:rPr lang="en-US" smtClean="0"/>
-              <a:t>4/3/2024</a:t>
+              <a:t>4/7/2024</a:t>
             </a:fld>
             <a:endParaRPr lang="en-US"/>
           </a:p>
@@ -2689,7 +2689,7 @@
           <a:p>
             <a:fld id="{0B135347-3E15-4228-ACD1-FA410F03C88A}" type="datetime1">
               <a:rPr lang="en-US" smtClean="0"/>
-              <a:t>4/3/2024</a:t>
+              <a:t>4/7/2024</a:t>
             </a:fld>
             <a:endParaRPr lang="en-US"/>
           </a:p>
@@ -3000,7 +3000,7 @@
           <a:p>
             <a:fld id="{8FC84112-A496-4654-828C-C3F1F14531A1}" type="datetime1">
               <a:rPr lang="en-US" smtClean="0"/>
-              <a:t>4/3/2024</a:t>
+              <a:t>4/7/2024</a:t>
             </a:fld>
             <a:endParaRPr lang="en-US"/>
           </a:p>
@@ -3288,7 +3288,7 @@
           <a:p>
             <a:fld id="{7F1F06F9-3F6B-430D-AD7B-9113A06E2545}" type="datetime1">
               <a:rPr lang="en-US" smtClean="0"/>
-              <a:t>4/3/2024</a:t>
+              <a:t>4/7/2024</a:t>
             </a:fld>
             <a:endParaRPr lang="en-US"/>
           </a:p>
@@ -4539,7 +4539,7 @@
           <a:p>
             <a:fld id="{292BCB8D-29B8-4E35-9093-2F363A120E10}" type="datetime1">
               <a:rPr lang="en-US" smtClean="0"/>
-              <a:t>4/3/2024</a:t>
+              <a:t>4/7/2024</a:t>
             </a:fld>
             <a:endParaRPr lang="en-US"/>
           </a:p>
